--- a/GCC-OnlineSafety.pptx
+++ b/GCC-OnlineSafety.pptx
@@ -5,36 +5,39 @@
     <p:sldMasterId id="2147483659" r:id="rId1"/>
   </p:sldMasterIdLst>
   <p:notesMasterIdLst>
-    <p:notesMasterId r:id="rId8"/>
+    <p:notesMasterId r:id="rId11"/>
   </p:notesMasterIdLst>
   <p:sldIdLst>
     <p:sldId id="256" r:id="rId2"/>
     <p:sldId id="257" r:id="rId3"/>
     <p:sldId id="258" r:id="rId4"/>
-    <p:sldId id="259" r:id="rId5"/>
-    <p:sldId id="260" r:id="rId6"/>
-    <p:sldId id="261" r:id="rId7"/>
+    <p:sldId id="263" r:id="rId5"/>
+    <p:sldId id="259" r:id="rId6"/>
+    <p:sldId id="264" r:id="rId7"/>
+    <p:sldId id="260" r:id="rId8"/>
+    <p:sldId id="261" r:id="rId9"/>
+    <p:sldId id="262" r:id="rId10"/>
   </p:sldIdLst>
   <p:sldSz cx="9144000" cy="5143500" type="screen16x9"/>
   <p:notesSz cx="6858000" cy="9144000"/>
   <p:embeddedFontLst>
     <p:embeddedFont>
       <p:font typeface="Montserrat" panose="020B0604020202020204" charset="0"/>
-      <p:regular r:id="rId9"/>
-      <p:bold r:id="rId10"/>
-      <p:italic r:id="rId11"/>
-      <p:boldItalic r:id="rId12"/>
+      <p:regular r:id="rId12"/>
+      <p:bold r:id="rId13"/>
+      <p:italic r:id="rId14"/>
+      <p:boldItalic r:id="rId15"/>
     </p:embeddedFont>
     <p:embeddedFont>
       <p:font typeface="Old Standard TT" panose="020B0604020202020204" charset="0"/>
-      <p:regular r:id="rId13"/>
-      <p:bold r:id="rId14"/>
-      <p:italic r:id="rId15"/>
+      <p:regular r:id="rId16"/>
+      <p:bold r:id="rId17"/>
+      <p:italic r:id="rId18"/>
     </p:embeddedFont>
     <p:embeddedFont>
       <p:font typeface="Oswald" panose="020B0604020202020204" charset="0"/>
-      <p:regular r:id="rId16"/>
-      <p:bold r:id="rId17"/>
+      <p:regular r:id="rId19"/>
+      <p:bold r:id="rId20"/>
     </p:embeddedFont>
   </p:embeddedFontLst>
   <p:defaultTextStyle>
@@ -6798,8 +6801,17 @@
           <a:p>
             <a:r>
               <a:rPr lang="en-US" dirty="0"/>
-              <a:t>BROWSER &amp; VPNs</a:t>
+              <a:t>SAFE BROWSING</a:t>
             </a:r>
+          </a:p>
+          <a:p>
+            <a:r>
+              <a:rPr lang="en-US" dirty="0"/>
+              <a:t>VPNs </a:t>
+            </a:r>
+          </a:p>
+          <a:p>
+            <a:endParaRPr lang="en-US" dirty="0"/>
           </a:p>
         </p:txBody>
       </p:sp>
@@ -6969,7 +6981,7 @@
         <p:spPr>
           <a:xfrm>
             <a:off x="190244" y="2462713"/>
-            <a:ext cx="2890486" cy="830997"/>
+            <a:ext cx="2890486" cy="1077218"/>
           </a:xfrm>
           <a:prstGeom prst="rect">
             <a:avLst/>
@@ -6983,14 +6995,11 @@
           <a:lstStyle/>
           <a:p>
             <a:r>
-              <a:rPr lang="en-US" sz="1600" dirty="0" err="1">
+              <a:rPr lang="en-US" sz="1600" dirty="0">
                 <a:latin typeface="Montserrat" panose="020B0604020202020204" charset="0"/>
               </a:rPr>
-              <a:t>fortn!teWarzone</a:t>
+              <a:t>teamUSAolympics2021</a:t>
             </a:r>
-            <a:endParaRPr lang="en-US" sz="1600" dirty="0">
-              <a:latin typeface="Montserrat" panose="020B0604020202020204" charset="0"/>
-            </a:endParaRPr>
           </a:p>
           <a:p>
             <a:r>
@@ -7008,7 +7017,33 @@
               <a:rPr lang="en-US" sz="1600" dirty="0">
                 <a:latin typeface="Montserrat" panose="020B0604020202020204" charset="0"/>
               </a:rPr>
-              <a:t>good4youyoulookhappy</a:t>
+              <a:t>Good4youyoulookhappy</a:t>
+            </a:r>
+          </a:p>
+          <a:p>
+            <a:r>
+              <a:rPr lang="en-US" sz="1600" dirty="0" err="1">
+                <a:latin typeface="Montserrat" panose="020B0604020202020204" charset="0"/>
+              </a:rPr>
+              <a:t>ctf</a:t>
+            </a:r>
+            <a:r>
+              <a:rPr lang="en-US" sz="1600" dirty="0">
+                <a:latin typeface="Montserrat" panose="020B0604020202020204" charset="0"/>
+              </a:rPr>
+              <a:t>{</a:t>
+            </a:r>
+            <a:r>
+              <a:rPr lang="en-US" sz="1600" dirty="0" err="1">
+                <a:latin typeface="Montserrat" panose="020B0604020202020204" charset="0"/>
+              </a:rPr>
+              <a:t>phrases_not_words</a:t>
+            </a:r>
+            <a:r>
+              <a:rPr lang="en-US" sz="1600" dirty="0">
+                <a:latin typeface="Montserrat" panose="020B0604020202020204" charset="0"/>
+              </a:rPr>
+              <a:t>}</a:t>
             </a:r>
           </a:p>
         </p:txBody>
@@ -7169,6 +7204,147 @@
           <p:cNvPr id="2" name="Title 1">
             <a:extLst>
               <a:ext uri="{FF2B5EF4-FFF2-40B4-BE49-F238E27FC236}">
+                <a16:creationId xmlns:a16="http://schemas.microsoft.com/office/drawing/2014/main" id="{8685920C-97AD-449E-B98C-7E2252E1F7AC}"/>
+              </a:ext>
+            </a:extLst>
+          </p:cNvPr>
+          <p:cNvSpPr>
+            <a:spLocks noGrp="1"/>
+          </p:cNvSpPr>
+          <p:nvPr>
+            <p:ph type="title"/>
+          </p:nvPr>
+        </p:nvSpPr>
+        <p:spPr/>
+        <p:txBody>
+          <a:bodyPr>
+            <a:normAutofit fontScale="90000"/>
+          </a:bodyPr>
+          <a:lstStyle/>
+          <a:p>
+            <a:r>
+              <a:rPr lang="en-US" dirty="0"/>
+              <a:t>Password Cracking demo:</a:t>
+            </a:r>
+          </a:p>
+        </p:txBody>
+      </p:sp>
+      <p:sp>
+        <p:nvSpPr>
+          <p:cNvPr id="3" name="Text Placeholder 2">
+            <a:extLst>
+              <a:ext uri="{FF2B5EF4-FFF2-40B4-BE49-F238E27FC236}">
+                <a16:creationId xmlns:a16="http://schemas.microsoft.com/office/drawing/2014/main" id="{51DBBCA1-BC8E-4661-A1A2-C44880FE50C3}"/>
+              </a:ext>
+            </a:extLst>
+          </p:cNvPr>
+          <p:cNvSpPr>
+            <a:spLocks noGrp="1"/>
+          </p:cNvSpPr>
+          <p:nvPr>
+            <p:ph type="body" idx="1"/>
+          </p:nvPr>
+        </p:nvSpPr>
+        <p:spPr/>
+        <p:txBody>
+          <a:bodyPr/>
+          <a:lstStyle/>
+          <a:p>
+            <a:r>
+              <a:rPr lang="en-US" dirty="0">
+                <a:hlinkClick r:id="rId2"/>
+              </a:rPr>
+              <a:t>https://www.betterbuys.com/estimating-password-cracking-times/</a:t>
+            </a:r>
+            <a:endParaRPr lang="en-US" dirty="0"/>
+          </a:p>
+          <a:p>
+            <a:endParaRPr lang="en-US" dirty="0"/>
+          </a:p>
+          <a:p>
+            <a:endParaRPr lang="en-US" dirty="0"/>
+          </a:p>
+          <a:p>
+            <a:r>
+              <a:rPr lang="en-US" dirty="0"/>
+              <a:t>Other password cracking/</a:t>
+            </a:r>
+            <a:r>
+              <a:rPr lang="en-US" dirty="0" err="1"/>
+              <a:t>Bruteforcing</a:t>
+            </a:r>
+            <a:r>
+              <a:rPr lang="en-US" dirty="0"/>
+              <a:t> tools: </a:t>
+            </a:r>
+          </a:p>
+          <a:p>
+            <a:pPr lvl="1"/>
+            <a:r>
+              <a:rPr lang="en-US" dirty="0" err="1"/>
+              <a:t>JohnTheRipper</a:t>
+            </a:r>
+            <a:endParaRPr lang="en-US" dirty="0"/>
+          </a:p>
+          <a:p>
+            <a:pPr lvl="1"/>
+            <a:r>
+              <a:rPr lang="en-US" dirty="0" err="1"/>
+              <a:t>Hashcat</a:t>
+            </a:r>
+            <a:endParaRPr lang="en-US" dirty="0"/>
+          </a:p>
+          <a:p>
+            <a:pPr lvl="1"/>
+            <a:r>
+              <a:rPr lang="en-US" dirty="0"/>
+              <a:t>Brutus</a:t>
+            </a:r>
+          </a:p>
+          <a:p>
+            <a:pPr lvl="1"/>
+            <a:r>
+              <a:rPr lang="en-US" dirty="0"/>
+              <a:t>Medusa</a:t>
+            </a:r>
+          </a:p>
+        </p:txBody>
+      </p:sp>
+    </p:spTree>
+    <p:extLst>
+      <p:ext uri="{BB962C8B-B14F-4D97-AF65-F5344CB8AC3E}">
+        <p14:creationId xmlns:p14="http://schemas.microsoft.com/office/powerpoint/2010/main" val="2733001648"/>
+      </p:ext>
+    </p:extLst>
+  </p:cSld>
+  <p:clrMapOvr>
+    <a:masterClrMapping/>
+  </p:clrMapOvr>
+</p:sld>
+</file>
+
+<file path=ppt/slides/slide5.xml><?xml version="1.0" encoding="utf-8"?>
+<p:sld xmlns:a="http://schemas.openxmlformats.org/drawingml/2006/main" xmlns:r="http://schemas.openxmlformats.org/officeDocument/2006/relationships" xmlns:p="http://schemas.openxmlformats.org/presentationml/2006/main">
+  <p:cSld>
+    <p:spTree>
+      <p:nvGrpSpPr>
+        <p:cNvPr id="1" name=""/>
+        <p:cNvGrpSpPr/>
+        <p:nvPr/>
+      </p:nvGrpSpPr>
+      <p:grpSpPr>
+        <a:xfrm>
+          <a:off x="0" y="0"/>
+          <a:ext cx="0" cy="0"/>
+          <a:chOff x="0" y="0"/>
+          <a:chExt cx="0" cy="0"/>
+        </a:xfrm>
+      </p:grpSpPr>
+      <p:sp>
+        <p:nvSpPr>
+          <p:cNvPr id="2" name="Title 1">
+            <a:extLst>
+              <a:ext uri="{FF2B5EF4-FFF2-40B4-BE49-F238E27FC236}">
                 <a16:creationId xmlns:a16="http://schemas.microsoft.com/office/drawing/2014/main" id="{23856752-DEB0-44EB-AD63-07046CBCF607}"/>
               </a:ext>
             </a:extLst>
@@ -7251,7 +7427,7 @@
             <a:pPr lvl="1"/>
             <a:r>
               <a:rPr lang="en-US" dirty="0"/>
-              <a:t>Vs Game accounts, Blogs, etc.</a:t>
+              <a:t>Vs Game accounts, Blogs, Social media</a:t>
             </a:r>
           </a:p>
           <a:p>
@@ -7324,7 +7500,142 @@
 </p:sld>
 </file>
 
-<file path=ppt/slides/slide5.xml><?xml version="1.0" encoding="utf-8"?>
+<file path=ppt/slides/slide6.xml><?xml version="1.0" encoding="utf-8"?>
+<p:sld xmlns:a="http://schemas.openxmlformats.org/drawingml/2006/main" xmlns:r="http://schemas.openxmlformats.org/officeDocument/2006/relationships" xmlns:p="http://schemas.openxmlformats.org/presentationml/2006/main">
+  <p:cSld>
+    <p:spTree>
+      <p:nvGrpSpPr>
+        <p:cNvPr id="1" name=""/>
+        <p:cNvGrpSpPr/>
+        <p:nvPr/>
+      </p:nvGrpSpPr>
+      <p:grpSpPr>
+        <a:xfrm>
+          <a:off x="0" y="0"/>
+          <a:ext cx="0" cy="0"/>
+          <a:chOff x="0" y="0"/>
+          <a:chExt cx="0" cy="0"/>
+        </a:xfrm>
+      </p:grpSpPr>
+      <p:sp>
+        <p:nvSpPr>
+          <p:cNvPr id="2" name="Title 1">
+            <a:extLst>
+              <a:ext uri="{FF2B5EF4-FFF2-40B4-BE49-F238E27FC236}">
+                <a16:creationId xmlns:a16="http://schemas.microsoft.com/office/drawing/2014/main" id="{099F7CE3-48B0-4D19-AACE-2C88C688034E}"/>
+              </a:ext>
+            </a:extLst>
+          </p:cNvPr>
+          <p:cNvSpPr>
+            <a:spLocks noGrp="1"/>
+          </p:cNvSpPr>
+          <p:nvPr>
+            <p:ph type="title"/>
+          </p:nvPr>
+        </p:nvSpPr>
+        <p:spPr/>
+        <p:txBody>
+          <a:bodyPr>
+            <a:normAutofit fontScale="90000"/>
+          </a:bodyPr>
+          <a:lstStyle/>
+          <a:p>
+            <a:r>
+              <a:rPr lang="en-US" dirty="0"/>
+              <a:t>Demo:</a:t>
+            </a:r>
+          </a:p>
+        </p:txBody>
+      </p:sp>
+      <p:sp>
+        <p:nvSpPr>
+          <p:cNvPr id="3" name="Text Placeholder 2">
+            <a:extLst>
+              <a:ext uri="{FF2B5EF4-FFF2-40B4-BE49-F238E27FC236}">
+                <a16:creationId xmlns:a16="http://schemas.microsoft.com/office/drawing/2014/main" id="{6E5BD529-8B2F-4AB0-8AF1-CA143B5F7251}"/>
+              </a:ext>
+            </a:extLst>
+          </p:cNvPr>
+          <p:cNvSpPr>
+            <a:spLocks noGrp="1"/>
+          </p:cNvSpPr>
+          <p:nvPr>
+            <p:ph type="body" idx="1"/>
+          </p:nvPr>
+        </p:nvSpPr>
+        <p:spPr/>
+        <p:txBody>
+          <a:bodyPr/>
+          <a:lstStyle/>
+          <a:p>
+            <a:r>
+              <a:rPr lang="en-US" dirty="0">
+                <a:hlinkClick r:id="rId2"/>
+              </a:rPr>
+              <a:t>Have I been </a:t>
+            </a:r>
+            <a:r>
+              <a:rPr lang="en-US" dirty="0" err="1">
+                <a:hlinkClick r:id="rId2"/>
+              </a:rPr>
+              <a:t>pwned</a:t>
+            </a:r>
+            <a:r>
+              <a:rPr lang="en-US" dirty="0">
+                <a:hlinkClick r:id="rId2"/>
+              </a:rPr>
+              <a:t>?</a:t>
+            </a:r>
+            <a:endParaRPr lang="en-US" dirty="0"/>
+          </a:p>
+          <a:p>
+            <a:endParaRPr lang="en-US" dirty="0"/>
+          </a:p>
+        </p:txBody>
+      </p:sp>
+      <p:pic>
+        <p:nvPicPr>
+          <p:cNvPr id="7" name="Picture 6" descr="A picture containing text, newspaper, queen&#10;&#10;Description automatically generated">
+            <a:extLst>
+              <a:ext uri="{FF2B5EF4-FFF2-40B4-BE49-F238E27FC236}">
+                <a16:creationId xmlns:a16="http://schemas.microsoft.com/office/drawing/2014/main" id="{12A46E7A-358A-49EE-B01C-4524BED25BBC}"/>
+              </a:ext>
+            </a:extLst>
+          </p:cNvPr>
+          <p:cNvPicPr>
+            <a:picLocks noChangeAspect="1"/>
+          </p:cNvPicPr>
+          <p:nvPr/>
+        </p:nvPicPr>
+        <p:blipFill rotWithShape="1">
+          <a:blip r:embed="rId3"/>
+          <a:srcRect l="51350" t="32474"/>
+          <a:stretch/>
+        </p:blipFill>
+        <p:spPr>
+          <a:xfrm>
+            <a:off x="4486082" y="525230"/>
+            <a:ext cx="3590096" cy="3815563"/>
+          </a:xfrm>
+          <a:prstGeom prst="rect">
+            <a:avLst/>
+          </a:prstGeom>
+        </p:spPr>
+      </p:pic>
+    </p:spTree>
+    <p:extLst>
+      <p:ext uri="{BB962C8B-B14F-4D97-AF65-F5344CB8AC3E}">
+        <p14:creationId xmlns:p14="http://schemas.microsoft.com/office/powerpoint/2010/main" val="4215864508"/>
+      </p:ext>
+    </p:extLst>
+  </p:cSld>
+  <p:clrMapOvr>
+    <a:masterClrMapping/>
+  </p:clrMapOvr>
+</p:sld>
+</file>
+
+<file path=ppt/slides/slide7.xml><?xml version="1.0" encoding="utf-8"?>
 <p:sld xmlns:a="http://schemas.openxmlformats.org/drawingml/2006/main" xmlns:r="http://schemas.openxmlformats.org/officeDocument/2006/relationships" xmlns:p="http://schemas.openxmlformats.org/presentationml/2006/main">
   <p:cSld>
     <p:spTree>
@@ -7493,7 +7804,7 @@
 </p:sld>
 </file>
 
-<file path=ppt/slides/slide6.xml><?xml version="1.0" encoding="utf-8"?>
+<file path=ppt/slides/slide8.xml><?xml version="1.0" encoding="utf-8"?>
 <p:sld xmlns:a="http://schemas.openxmlformats.org/drawingml/2006/main" xmlns:r="http://schemas.openxmlformats.org/officeDocument/2006/relationships" xmlns:p="http://schemas.openxmlformats.org/presentationml/2006/main">
   <p:cSld>
     <p:spTree>
@@ -7535,7 +7846,7 @@
           <a:p>
             <a:r>
               <a:rPr lang="en-US" dirty="0"/>
-              <a:t>BROWSER &amp; VPN</a:t>
+              <a:t>Safe Browsing</a:t>
             </a:r>
           </a:p>
         </p:txBody>
@@ -7575,7 +7886,13 @@
           <a:p>
             <a:r>
               <a:rPr lang="en-US" dirty="0"/>
-              <a:t>Use a VPN while on open public networks</a:t>
+              <a:t>When using payments, look for the lock!</a:t>
+            </a:r>
+          </a:p>
+          <a:p>
+            <a:r>
+              <a:rPr lang="en-US" dirty="0"/>
+              <a:t>HTTP vs HTTPS</a:t>
             </a:r>
           </a:p>
         </p:txBody>
@@ -7614,6 +7931,177 @@
     <p:extLst>
       <p:ext uri="{BB962C8B-B14F-4D97-AF65-F5344CB8AC3E}">
         <p14:creationId xmlns:p14="http://schemas.microsoft.com/office/powerpoint/2010/main" val="2603647136"/>
+      </p:ext>
+    </p:extLst>
+  </p:cSld>
+  <p:clrMapOvr>
+    <a:masterClrMapping/>
+  </p:clrMapOvr>
+</p:sld>
+</file>
+
+<file path=ppt/slides/slide9.xml><?xml version="1.0" encoding="utf-8"?>
+<p:sld xmlns:a="http://schemas.openxmlformats.org/drawingml/2006/main" xmlns:r="http://schemas.openxmlformats.org/officeDocument/2006/relationships" xmlns:p="http://schemas.openxmlformats.org/presentationml/2006/main">
+  <p:cSld>
+    <p:spTree>
+      <p:nvGrpSpPr>
+        <p:cNvPr id="1" name=""/>
+        <p:cNvGrpSpPr/>
+        <p:nvPr/>
+      </p:nvGrpSpPr>
+      <p:grpSpPr>
+        <a:xfrm>
+          <a:off x="0" y="0"/>
+          <a:ext cx="0" cy="0"/>
+          <a:chOff x="0" y="0"/>
+          <a:chExt cx="0" cy="0"/>
+        </a:xfrm>
+      </p:grpSpPr>
+      <p:sp>
+        <p:nvSpPr>
+          <p:cNvPr id="2" name="Title 1">
+            <a:extLst>
+              <a:ext uri="{FF2B5EF4-FFF2-40B4-BE49-F238E27FC236}">
+                <a16:creationId xmlns:a16="http://schemas.microsoft.com/office/drawing/2014/main" id="{1D2FAFFF-BF5A-435D-B7CA-AB2895E76646}"/>
+              </a:ext>
+            </a:extLst>
+          </p:cNvPr>
+          <p:cNvSpPr>
+            <a:spLocks noGrp="1"/>
+          </p:cNvSpPr>
+          <p:nvPr>
+            <p:ph type="title"/>
+          </p:nvPr>
+        </p:nvSpPr>
+        <p:spPr/>
+        <p:txBody>
+          <a:bodyPr>
+            <a:normAutofit fontScale="90000"/>
+          </a:bodyPr>
+          <a:lstStyle/>
+          <a:p>
+            <a:r>
+              <a:rPr lang="en-US" dirty="0"/>
+              <a:t>VPNs</a:t>
+            </a:r>
+          </a:p>
+        </p:txBody>
+      </p:sp>
+      <p:sp>
+        <p:nvSpPr>
+          <p:cNvPr id="3" name="Text Placeholder 2">
+            <a:extLst>
+              <a:ext uri="{FF2B5EF4-FFF2-40B4-BE49-F238E27FC236}">
+                <a16:creationId xmlns:a16="http://schemas.microsoft.com/office/drawing/2014/main" id="{C570F618-F34D-4827-8187-908BBFC98A21}"/>
+              </a:ext>
+            </a:extLst>
+          </p:cNvPr>
+          <p:cNvSpPr>
+            <a:spLocks noGrp="1"/>
+          </p:cNvSpPr>
+          <p:nvPr>
+            <p:ph type="body" idx="1"/>
+          </p:nvPr>
+        </p:nvSpPr>
+        <p:spPr>
+          <a:xfrm>
+            <a:off x="311700" y="1460584"/>
+            <a:ext cx="4781938" cy="3312267"/>
+          </a:xfrm>
+        </p:spPr>
+        <p:txBody>
+          <a:bodyPr/>
+          <a:lstStyle/>
+          <a:p>
+            <a:r>
+              <a:rPr lang="en-US" dirty="0"/>
+              <a:t>Virtual Private network</a:t>
+            </a:r>
+          </a:p>
+          <a:p>
+            <a:r>
+              <a:rPr lang="en-US" dirty="0"/>
+              <a:t>VPNs obscure or hide the data that you are sending on the internet!</a:t>
+            </a:r>
+          </a:p>
+          <a:p>
+            <a:r>
+              <a:rPr lang="en-US" dirty="0"/>
+              <a:t>Great for use on public networks where you might not know who’s listening</a:t>
+            </a:r>
+          </a:p>
+          <a:p>
+            <a:r>
+              <a:rPr lang="en-US" dirty="0"/>
+              <a:t>People can still see the traffic, but just see it as VPN traffic. </a:t>
+            </a:r>
+          </a:p>
+        </p:txBody>
+      </p:sp>
+      <p:pic>
+        <p:nvPicPr>
+          <p:cNvPr id="5" name="Picture 4" descr="A picture containing square&#10;&#10;Description automatically generated">
+            <a:extLst>
+              <a:ext uri="{FF2B5EF4-FFF2-40B4-BE49-F238E27FC236}">
+                <a16:creationId xmlns:a16="http://schemas.microsoft.com/office/drawing/2014/main" id="{8BEF4753-DF46-4CFF-AF64-0DAE7EEE2A10}"/>
+              </a:ext>
+            </a:extLst>
+          </p:cNvPr>
+          <p:cNvPicPr>
+            <a:picLocks noChangeAspect="1"/>
+          </p:cNvPicPr>
+          <p:nvPr/>
+        </p:nvPicPr>
+        <p:blipFill>
+          <a:blip r:embed="rId2"/>
+          <a:stretch>
+            <a:fillRect/>
+          </a:stretch>
+        </p:blipFill>
+        <p:spPr>
+          <a:xfrm>
+            <a:off x="2035305" y="144640"/>
+            <a:ext cx="5384222" cy="1196494"/>
+          </a:xfrm>
+          <a:prstGeom prst="rect">
+            <a:avLst/>
+          </a:prstGeom>
+        </p:spPr>
+      </p:pic>
+      <p:pic>
+        <p:nvPicPr>
+          <p:cNvPr id="7" name="Picture 6" descr="Calendar, map&#10;&#10;Description automatically generated">
+            <a:extLst>
+              <a:ext uri="{FF2B5EF4-FFF2-40B4-BE49-F238E27FC236}">
+                <a16:creationId xmlns:a16="http://schemas.microsoft.com/office/drawing/2014/main" id="{1410F7AA-61F2-4008-A6EF-6C5CC6D48D47}"/>
+              </a:ext>
+            </a:extLst>
+          </p:cNvPr>
+          <p:cNvPicPr>
+            <a:picLocks noChangeAspect="1"/>
+          </p:cNvPicPr>
+          <p:nvPr/>
+        </p:nvPicPr>
+        <p:blipFill>
+          <a:blip r:embed="rId3"/>
+          <a:stretch>
+            <a:fillRect/>
+          </a:stretch>
+        </p:blipFill>
+        <p:spPr>
+          <a:xfrm>
+            <a:off x="5493416" y="1686258"/>
+            <a:ext cx="3049167" cy="2283699"/>
+          </a:xfrm>
+          <a:prstGeom prst="rect">
+            <a:avLst/>
+          </a:prstGeom>
+        </p:spPr>
+      </p:pic>
+    </p:spTree>
+    <p:extLst>
+      <p:ext uri="{BB962C8B-B14F-4D97-AF65-F5344CB8AC3E}">
+        <p14:creationId xmlns:p14="http://schemas.microsoft.com/office/powerpoint/2010/main" val="2188204975"/>
       </p:ext>
     </p:extLst>
   </p:cSld>
